--- a/atlas/InfoGraphicPP.pptx
+++ b/atlas/InfoGraphicPP.pptx
@@ -3307,6 +3307,14 @@
 <file path=ppt/slides/slide1.xml><?xml version="1.0" encoding="utf-8"?>
 <p:sld xmlns:a="http://schemas.openxmlformats.org/drawingml/2006/main" xmlns:r="http://schemas.openxmlformats.org/officeDocument/2006/relationships" xmlns:p="http://schemas.openxmlformats.org/presentationml/2006/main">
   <p:cSld>
+    <p:bg>
+      <p:bgPr>
+        <a:solidFill>
+          <a:srgbClr val="FEF0DE"/>
+        </a:solidFill>
+        <a:effectLst/>
+      </p:bgPr>
+    </p:bg>
     <p:spTree>
       <p:nvGrpSpPr>
         <p:cNvPr id="1" name=""/>
@@ -3337,13 +3345,13 @@
               </a:ext>
             </a:extLst>
           </a:blip>
-          <a:srcRect t="13469" b="2546"/>
+          <a:srcRect l="14721" t="78554" r="7004" b="9585"/>
           <a:stretch/>
         </p:blipFill>
         <p:spPr>
           <a:xfrm>
-            <a:off x="917" y="3333"/>
-            <a:ext cx="11256046" cy="6656230"/>
+            <a:off x="1657884" y="5161660"/>
+            <a:ext cx="8810714" cy="940038"/>
           </a:xfrm>
           <a:prstGeom prst="rect">
             <a:avLst/>
@@ -3364,9 +3372,7 @@
           <a:prstGeom prst="rect">
             <a:avLst/>
           </a:prstGeom>
-          <a:solidFill>
-            <a:srgbClr val="FEF0DE"/>
-          </a:solidFill>
+          <a:noFill/>
         </p:spPr>
         <p:txBody>
           <a:bodyPr wrap="none" lIns="180000" tIns="36000" rIns="180000" bIns="36000" rtlCol="0">
@@ -3402,9 +3408,7 @@
           <a:prstGeom prst="rect">
             <a:avLst/>
           </a:prstGeom>
-          <a:solidFill>
-            <a:srgbClr val="FEF0DE"/>
-          </a:solidFill>
+          <a:noFill/>
         </p:spPr>
         <p:txBody>
           <a:bodyPr wrap="none" lIns="180000" tIns="36000" rIns="180000" bIns="36000" rtlCol="0">
@@ -3453,9 +3457,7 @@
           <a:prstGeom prst="rect">
             <a:avLst/>
           </a:prstGeom>
-          <a:solidFill>
-            <a:srgbClr val="FEF0DE"/>
-          </a:solidFill>
+          <a:noFill/>
         </p:spPr>
         <p:txBody>
           <a:bodyPr wrap="none" lIns="180000" tIns="36000" rIns="180000" bIns="36000" rtlCol="0">
@@ -3504,9 +3506,7 @@
           <a:prstGeom prst="rect">
             <a:avLst/>
           </a:prstGeom>
-          <a:solidFill>
-            <a:srgbClr val="FEF0DE"/>
-          </a:solidFill>
+          <a:noFill/>
         </p:spPr>
         <p:txBody>
           <a:bodyPr wrap="none" lIns="180000" tIns="36000" rIns="180000" bIns="36000" rtlCol="0">
@@ -3555,9 +3555,7 @@
           <a:prstGeom prst="rect">
             <a:avLst/>
           </a:prstGeom>
-          <a:solidFill>
-            <a:srgbClr val="FEF0DE"/>
-          </a:solidFill>
+          <a:noFill/>
         </p:spPr>
         <p:txBody>
           <a:bodyPr wrap="none" lIns="180000" tIns="36000" rIns="180000" bIns="36000" rtlCol="0">
@@ -3606,9 +3604,7 @@
           <a:prstGeom prst="rect">
             <a:avLst/>
           </a:prstGeom>
-          <a:solidFill>
-            <a:srgbClr val="FEF0DE"/>
-          </a:solidFill>
+          <a:noFill/>
         </p:spPr>
         <p:txBody>
           <a:bodyPr wrap="none" lIns="180000" tIns="36000" rIns="180000" bIns="36000" rtlCol="0">
@@ -3670,9 +3666,7 @@
           <a:prstGeom prst="rect">
             <a:avLst/>
           </a:prstGeom>
-          <a:solidFill>
-            <a:srgbClr val="FEF0DE"/>
-          </a:solidFill>
+          <a:noFill/>
         </p:spPr>
         <p:txBody>
           <a:bodyPr wrap="none" lIns="180000" tIns="36000" rIns="180000" bIns="36000" rtlCol="0">
@@ -3721,9 +3715,7 @@
           <a:prstGeom prst="rect">
             <a:avLst/>
           </a:prstGeom>
-          <a:solidFill>
-            <a:srgbClr val="FEF0DE"/>
-          </a:solidFill>
+          <a:noFill/>
         </p:spPr>
         <p:txBody>
           <a:bodyPr wrap="none" lIns="180000" tIns="36000" rIns="180000" bIns="36000" rtlCol="0">
@@ -3759,9 +3751,7 @@
           <a:prstGeom prst="rect">
             <a:avLst/>
           </a:prstGeom>
-          <a:solidFill>
-            <a:srgbClr val="FEF0DE"/>
-          </a:solidFill>
+          <a:noFill/>
         </p:spPr>
         <p:txBody>
           <a:bodyPr wrap="none" lIns="180000" tIns="36000" rIns="180000" bIns="36000" rtlCol="0">
@@ -3797,9 +3787,7 @@
           <a:prstGeom prst="rect">
             <a:avLst/>
           </a:prstGeom>
-          <a:solidFill>
-            <a:srgbClr val="FEF0DE"/>
-          </a:solidFill>
+          <a:noFill/>
         </p:spPr>
         <p:txBody>
           <a:bodyPr wrap="none" lIns="180000" tIns="36000" rIns="180000" bIns="36000" rtlCol="0">
@@ -3835,9 +3823,7 @@
           <a:prstGeom prst="rect">
             <a:avLst/>
           </a:prstGeom>
-          <a:solidFill>
-            <a:srgbClr val="FEF0DE"/>
-          </a:solidFill>
+          <a:noFill/>
         </p:spPr>
         <p:txBody>
           <a:bodyPr wrap="none" lIns="180000" tIns="36000" rIns="180000" bIns="36000" rtlCol="0">
@@ -3873,9 +3859,7 @@
           <a:prstGeom prst="rect">
             <a:avLst/>
           </a:prstGeom>
-          <a:solidFill>
-            <a:srgbClr val="FEF0DE"/>
-          </a:solidFill>
+          <a:noFill/>
         </p:spPr>
         <p:txBody>
           <a:bodyPr wrap="none" lIns="180000" tIns="36000" rIns="180000" bIns="36000" rtlCol="0">
@@ -3911,9 +3895,7 @@
           <a:prstGeom prst="rect">
             <a:avLst/>
           </a:prstGeom>
-          <a:solidFill>
-            <a:srgbClr val="FEF0DE"/>
-          </a:solidFill>
+          <a:noFill/>
         </p:spPr>
         <p:txBody>
           <a:bodyPr wrap="none" lIns="180000" tIns="36000" rIns="180000" bIns="36000" rtlCol="0">
@@ -3949,9 +3931,7 @@
           <a:prstGeom prst="rect">
             <a:avLst/>
           </a:prstGeom>
-          <a:solidFill>
-            <a:srgbClr val="FEF0DE"/>
-          </a:solidFill>
+          <a:noFill/>
         </p:spPr>
         <p:txBody>
           <a:bodyPr wrap="none" lIns="180000" tIns="36000" rIns="180000" bIns="36000" rtlCol="0">
@@ -3987,9 +3967,7 @@
           <a:prstGeom prst="rect">
             <a:avLst/>
           </a:prstGeom>
-          <a:solidFill>
-            <a:srgbClr val="FEF0DE"/>
-          </a:solidFill>
+          <a:noFill/>
         </p:spPr>
         <p:txBody>
           <a:bodyPr wrap="none" lIns="180000" tIns="36000" rIns="180000" bIns="36000" rtlCol="0">
@@ -4025,9 +4003,7 @@
           <a:prstGeom prst="rect">
             <a:avLst/>
           </a:prstGeom>
-          <a:solidFill>
-            <a:srgbClr val="FEF0DE"/>
-          </a:solidFill>
+          <a:noFill/>
         </p:spPr>
         <p:txBody>
           <a:bodyPr wrap="none" lIns="180000" tIns="36000" rIns="180000" bIns="36000" rtlCol="0">
@@ -4063,9 +4039,7 @@
           <a:prstGeom prst="rect">
             <a:avLst/>
           </a:prstGeom>
-          <a:solidFill>
-            <a:srgbClr val="FEF0DE"/>
-          </a:solidFill>
+          <a:noFill/>
         </p:spPr>
         <p:txBody>
           <a:bodyPr wrap="none" lIns="180000" tIns="36000" rIns="180000" bIns="36000" rtlCol="0">
@@ -4101,9 +4075,7 @@
           <a:prstGeom prst="rect">
             <a:avLst/>
           </a:prstGeom>
-          <a:solidFill>
-            <a:srgbClr val="FEF0DE"/>
-          </a:solidFill>
+          <a:noFill/>
         </p:spPr>
         <p:txBody>
           <a:bodyPr wrap="none" lIns="180000" tIns="36000" rIns="180000" bIns="36000" rtlCol="0">
@@ -4139,9 +4111,7 @@
           <a:prstGeom prst="rect">
             <a:avLst/>
           </a:prstGeom>
-          <a:solidFill>
-            <a:srgbClr val="FEF0DE"/>
-          </a:solidFill>
+          <a:noFill/>
         </p:spPr>
         <p:txBody>
           <a:bodyPr wrap="none" lIns="180000" tIns="36000" rIns="180000" bIns="36000" rtlCol="0">
@@ -4177,9 +4147,7 @@
           <a:prstGeom prst="rect">
             <a:avLst/>
           </a:prstGeom>
-          <a:solidFill>
-            <a:srgbClr val="FEF0DE"/>
-          </a:solidFill>
+          <a:noFill/>
         </p:spPr>
         <p:txBody>
           <a:bodyPr wrap="none" lIns="180000" tIns="36000" rIns="180000" bIns="36000" rtlCol="0">
@@ -4215,9 +4183,7 @@
           <a:prstGeom prst="rect">
             <a:avLst/>
           </a:prstGeom>
-          <a:solidFill>
-            <a:srgbClr val="FEF0DE"/>
-          </a:solidFill>
+          <a:noFill/>
         </p:spPr>
         <p:txBody>
           <a:bodyPr wrap="none" lIns="180000" tIns="36000" rIns="180000" bIns="36000" rtlCol="0">
@@ -4239,6 +4205,64 @@
           </a:p>
         </p:txBody>
       </p:sp>
+      <p:pic>
+        <p:nvPicPr>
+          <p:cNvPr id="26" name="Picture 25"/>
+          <p:cNvPicPr>
+            <a:picLocks noChangeAspect="1"/>
+          </p:cNvPicPr>
+          <p:nvPr/>
+        </p:nvPicPr>
+        <p:blipFill rotWithShape="1">
+          <a:blip r:embed="rId2">
+            <a:extLst>
+              <a:ext uri="{28A0092B-C50C-407E-A947-70E740481C1C}">
+                <a14:useLocalDpi xmlns:a14="http://schemas.microsoft.com/office/drawing/2010/main" val="0"/>
+              </a:ext>
+            </a:extLst>
+          </a:blip>
+          <a:srcRect l="14308" t="13469" r="6244" b="52626"/>
+          <a:stretch/>
+        </p:blipFill>
+        <p:spPr>
+          <a:xfrm>
+            <a:off x="1611370" y="3333"/>
+            <a:ext cx="8942686" cy="2687169"/>
+          </a:xfrm>
+          <a:prstGeom prst="rect">
+            <a:avLst/>
+          </a:prstGeom>
+        </p:spPr>
+      </p:pic>
+      <p:pic>
+        <p:nvPicPr>
+          <p:cNvPr id="27" name="Picture 26"/>
+          <p:cNvPicPr>
+            <a:picLocks noChangeAspect="1"/>
+          </p:cNvPicPr>
+          <p:nvPr/>
+        </p:nvPicPr>
+        <p:blipFill rotWithShape="1">
+          <a:blip r:embed="rId2">
+            <a:extLst>
+              <a:ext uri="{28A0092B-C50C-407E-A947-70E740481C1C}">
+                <a14:useLocalDpi xmlns:a14="http://schemas.microsoft.com/office/drawing/2010/main" val="0"/>
+              </a:ext>
+            </a:extLst>
+          </a:blip>
+          <a:srcRect l="12975" t="57205" r="4574" b="27700"/>
+          <a:stretch/>
+        </p:blipFill>
+        <p:spPr>
+          <a:xfrm>
+            <a:off x="1461331" y="3469593"/>
+            <a:ext cx="9280733" cy="1196411"/>
+          </a:xfrm>
+          <a:prstGeom prst="rect">
+            <a:avLst/>
+          </a:prstGeom>
+        </p:spPr>
+      </p:pic>
     </p:spTree>
     <p:extLst>
       <p:ext uri="{BB962C8B-B14F-4D97-AF65-F5344CB8AC3E}">
